--- a/Entregas/SegundaEntrega/posterpoliv3 (1).pptx
+++ b/Entregas/SegundaEntrega/posterpoliv3 (1).pptx
@@ -482,7 +482,7 @@
               <a:pPr>
                 <a:defRPr/>
               </a:pPr>
-              <a:t>03/05/2018</a:t>
+              <a:t>10/05/2018</a:t>
             </a:fld>
             <a:endParaRPr lang="es-CO"/>
           </a:p>
@@ -686,7 +686,7 @@
               <a:pPr>
                 <a:defRPr/>
               </a:pPr>
-              <a:t>03/05/2018</a:t>
+              <a:t>10/05/2018</a:t>
             </a:fld>
             <a:endParaRPr lang="es-CO"/>
           </a:p>
@@ -1190,7 +1190,7 @@
               <a:pPr>
                 <a:defRPr/>
               </a:pPr>
-              <a:t>03/05/2018</a:t>
+              <a:t>10/05/2018</a:t>
             </a:fld>
             <a:endParaRPr lang="es-CO" dirty="0"/>
           </a:p>
@@ -7306,65 +7306,6 @@
       </p:sp>
       <p:sp>
         <p:nvSpPr>
-          <p:cNvPr id="14" name="Cara sonriente 13">
-            <a:extLst>
-              <a:ext uri="{FF2B5EF4-FFF2-40B4-BE49-F238E27FC236}">
-                <a16:creationId xmlns:a16="http://schemas.microsoft.com/office/drawing/2014/main" id="{350082BB-086C-4E3E-9AD6-EF1C5EE141E6}"/>
-              </a:ext>
-            </a:extLst>
-          </p:cNvPr>
-          <p:cNvSpPr/>
-          <p:nvPr/>
-        </p:nvSpPr>
-        <p:spPr>
-          <a:xfrm>
-            <a:off x="3861047" y="15103882"/>
-            <a:ext cx="3322319" cy="3322319"/>
-          </a:xfrm>
-          <a:prstGeom prst="smileyFace">
-            <a:avLst/>
-          </a:prstGeom>
-          <a:noFill/>
-          <a:ln w="57150">
-            <a:solidFill>
-              <a:schemeClr val="tx1"/>
-            </a:solidFill>
-          </a:ln>
-          <a:effectLst>
-            <a:outerShdw blurRad="50800" dist="38100" dir="18900000" algn="bl" rotWithShape="0">
-              <a:prstClr val="black">
-                <a:alpha val="40000"/>
-              </a:prstClr>
-            </a:outerShdw>
-          </a:effectLst>
-        </p:spPr>
-        <p:style>
-          <a:lnRef idx="2">
-            <a:schemeClr val="accent1">
-              <a:shade val="50000"/>
-            </a:schemeClr>
-          </a:lnRef>
-          <a:fillRef idx="1">
-            <a:schemeClr val="accent1"/>
-          </a:fillRef>
-          <a:effectRef idx="0">
-            <a:schemeClr val="accent1"/>
-          </a:effectRef>
-          <a:fontRef idx="minor">
-            <a:schemeClr val="lt1"/>
-          </a:fontRef>
-        </p:style>
-        <p:txBody>
-          <a:bodyPr rtlCol="0" anchor="ctr"/>
-          <a:lstStyle/>
-          <a:p>
-            <a:pPr algn="ctr"/>
-            <a:endParaRPr lang="es-CO"/>
-          </a:p>
-        </p:txBody>
-      </p:sp>
-      <p:sp>
-        <p:nvSpPr>
           <p:cNvPr id="15" name="Corazón 14">
             <a:extLst>
               <a:ext uri="{FF2B5EF4-FFF2-40B4-BE49-F238E27FC236}">
@@ -7527,6 +7468,65 @@
               <a:latin typeface="Arial" charset="0"/>
               <a:ea typeface="+mn-ea"/>
               <a:cs typeface="Arial" charset="0"/>
+            </a:endParaRPr>
+          </a:p>
+        </p:txBody>
+      </p:sp>
+      <p:sp>
+        <p:nvSpPr>
+          <p:cNvPr id="6" name="CuadroTexto 5"/>
+          <p:cNvSpPr txBox="1"/>
+          <p:nvPr/>
+        </p:nvSpPr>
+        <p:spPr bwMode="auto">
+          <a:xfrm>
+            <a:off x="1646237" y="14831111"/>
+            <a:ext cx="7924800" cy="4298845"/>
+          </a:xfrm>
+          <a:prstGeom prst="rect">
+            <a:avLst/>
+          </a:prstGeom>
+          <a:noFill/>
+          <a:ln w="9525">
+            <a:noFill/>
+            <a:miter lim="800000"/>
+            <a:headEnd/>
+            <a:tailEnd/>
+          </a:ln>
+        </p:spPr>
+        <p:txBody>
+          <a:bodyPr vert="horz" wrap="square" lIns="355830" tIns="177915" rIns="355830" bIns="177915" numCol="1" rtlCol="0" anchor="ctr" anchorCtr="0" compatLnSpc="1">
+            <a:prstTxWarp prst="textNoShape">
+              <a:avLst/>
+            </a:prstTxWarp>
+            <a:spAutoFit/>
+          </a:bodyPr>
+          <a:lstStyle/>
+          <a:p>
+            <a:pPr marL="0" marR="0" indent="0" defTabSz="3557588" rtl="0" eaLnBrk="1" fontAlgn="base" latinLnBrk="0" hangingPunct="1">
+              <a:lnSpc>
+                <a:spcPct val="100000"/>
+              </a:lnSpc>
+              <a:spcBef>
+                <a:spcPct val="0"/>
+              </a:spcBef>
+              <a:spcAft>
+                <a:spcPct val="0"/>
+              </a:spcAft>
+              <a:buClrTx/>
+              <a:buSzTx/>
+              <a:buFontTx/>
+              <a:buNone/>
+              <a:tabLst/>
+            </a:pPr>
+            <a:r>
+              <a:rPr lang="es-CO" sz="3200" dirty="0" smtClean="0"/>
+              <a:t>Este proyecto se trabajó mediante la metodología RUP (RATIONAL UNIFIED PROCESS)  que nos permite mejorar la productividad  del equipo. En esta metodología el flujo de trabajo de procesos se maneja mediante cuatro fases (inicio, elaboración, construcción y transición) </a:t>
+            </a:r>
+            <a:endParaRPr lang="es-CO" sz="3200" kern="1200" dirty="0" smtClean="0">
+              <a:solidFill>
+                <a:schemeClr val="tx1"/>
+              </a:solidFill>
             </a:endParaRPr>
           </a:p>
         </p:txBody>

--- a/Entregas/SegundaEntrega/posterpoliv3 (1).pptx
+++ b/Entregas/SegundaEntrega/posterpoliv3 (1).pptx
@@ -324,20 +324,20 @@
             <ac:picMk id="35" creationId="{00000000-0000-0000-0000-000000000000}"/>
           </ac:picMkLst>
         </pc:picChg>
+        <pc:picChg chg="add del">
+          <ac:chgData name="OLIVEROS ACOSTA DIEGO IVAN" userId="a0ab22ba-fa9e-42e9-a3a1-2117ab5bcfad" providerId="ADAL" clId="{7B70019A-492A-4B51-AADF-27C9B81FBF11}" dt="2018-04-13T16:49:59.653" v="54" actId="1076"/>
+          <ac:picMkLst>
+            <pc:docMk/>
+            <pc:sldMk cId="4132891705" sldId="259"/>
+            <ac:picMk id="1026" creationId="{B3FACB22-E265-4EA0-B10E-9ADDD7153C8B}"/>
+          </ac:picMkLst>
+        </pc:picChg>
         <pc:picChg chg="add mod ord">
           <ac:chgData name="OLIVEROS ACOSTA DIEGO IVAN" userId="a0ab22ba-fa9e-42e9-a3a1-2117ab5bcfad" providerId="ADAL" clId="{7B70019A-492A-4B51-AADF-27C9B81FBF11}" dt="2018-04-13T16:59:32.562" v="151" actId="12789"/>
           <ac:picMkLst>
             <pc:docMk/>
             <pc:sldMk cId="4132891705" sldId="259"/>
             <ac:picMk id="1026" creationId="{5798CE79-5BA9-4474-963D-FAC32C87F892}"/>
-          </ac:picMkLst>
-        </pc:picChg>
-        <pc:picChg chg="add del">
-          <ac:chgData name="OLIVEROS ACOSTA DIEGO IVAN" userId="a0ab22ba-fa9e-42e9-a3a1-2117ab5bcfad" providerId="ADAL" clId="{7B70019A-492A-4B51-AADF-27C9B81FBF11}" dt="2018-04-13T16:49:59.653" v="54" actId="1076"/>
-          <ac:picMkLst>
-            <pc:docMk/>
-            <pc:sldMk cId="4132891705" sldId="259"/>
-            <ac:picMk id="1026" creationId="{B3FACB22-E265-4EA0-B10E-9ADDD7153C8B}"/>
           </ac:picMkLst>
         </pc:picChg>
         <pc:cxnChg chg="mod topLvl">
@@ -1789,8 +1789,8 @@
         </p:nvSpPr>
         <p:spPr>
           <a:xfrm flipV="1">
-            <a:off x="20185589" y="14099502"/>
-            <a:ext cx="9000000" cy="5400000"/>
+            <a:off x="19930033" y="14099502"/>
+            <a:ext cx="9439347" cy="5400000"/>
           </a:xfrm>
           <a:prstGeom prst="round2DiagRect">
             <a:avLst/>
@@ -3652,8 +3652,8 @@
         </p:nvSpPr>
         <p:spPr>
           <a:xfrm>
-            <a:off x="10725413" y="14099502"/>
-            <a:ext cx="9000000" cy="5400000"/>
+            <a:off x="10725413" y="14094243"/>
+            <a:ext cx="9000000" cy="5405259"/>
           </a:xfrm>
           <a:custGeom>
             <a:avLst/>
@@ -4090,27 +4090,34 @@
             <a:pPr marL="0" indent="0" algn="just">
               <a:buNone/>
             </a:pPr>
+            <a:endParaRPr lang="es-CO" sz="3600" dirty="0">
+              <a:latin typeface="Arial" charset="0"/>
+              <a:ea typeface="Arial" charset="0"/>
+              <a:cs typeface="Arial" charset="0"/>
+            </a:endParaRPr>
+          </a:p>
+          <a:p>
+            <a:pPr marL="0" indent="0" algn="just">
+              <a:buNone/>
+            </a:pPr>
+            <a:endParaRPr lang="es-CO" sz="3600" dirty="0">
+              <a:latin typeface="Arial" charset="0"/>
+              <a:ea typeface="Arial" charset="0"/>
+              <a:cs typeface="Arial" charset="0"/>
+            </a:endParaRPr>
+          </a:p>
+          <a:p>
+            <a:pPr marL="0" indent="0" algn="just">
+              <a:buNone/>
+            </a:pPr>
             <a:r>
-              <a:rPr lang="es-CO" sz="3200" dirty="0">
+              <a:rPr lang="es-CO" sz="3600" dirty="0">
                 <a:latin typeface="Arial" charset="0"/>
                 <a:ea typeface="Arial" charset="0"/>
                 <a:cs typeface="Arial" charset="0"/>
               </a:rPr>
-              <a:t>Con el fin de hacer que el proyecto sea viable se generó una idea de facilidad para los usuarios por medio de una páginas web puedan solicitar un servicio dentro de la universidad; para ello desarrollamos una aplicación fácil de entender y con ideas simples </a:t>
+              <a:t>Con el fin de hacer que el proyecto sea viable se generó una idea de facilidad para los usuarios por medio de una páginas web puedan solicitar un servicio dentro de la universidad; para ello desarrollamos una aplicación fácil de entender y con ideas simples pero contundentes. </a:t>
             </a:r>
-            <a:r>
-              <a:rPr lang="es-CO" sz="3200">
-                <a:latin typeface="Arial" charset="0"/>
-                <a:ea typeface="Arial" charset="0"/>
-                <a:cs typeface="Arial" charset="0"/>
-              </a:rPr>
-              <a:t>pero contundentes. </a:t>
-            </a:r>
-            <a:endParaRPr lang="es-CO" sz="3200" dirty="0">
-              <a:latin typeface="Arial" charset="0"/>
-              <a:ea typeface="Arial" charset="0"/>
-              <a:cs typeface="Arial" charset="0"/>
-            </a:endParaRPr>
           </a:p>
         </p:txBody>
       </p:sp>
@@ -4381,116 +4388,6 @@
       </p:sp>
       <p:sp>
         <p:nvSpPr>
-          <p:cNvPr id="263" name="Shape 568"/>
-          <p:cNvSpPr/>
-          <p:nvPr/>
-        </p:nvSpPr>
-        <p:spPr>
-          <a:xfrm flipV="1">
-            <a:off x="21170057" y="14323403"/>
-            <a:ext cx="15889" cy="5234479"/>
-          </a:xfrm>
-          <a:prstGeom prst="line">
-            <a:avLst/>
-          </a:prstGeom>
-          <a:ln w="28575">
-            <a:tailEnd type="stealth"/>
-          </a:ln>
-        </p:spPr>
-        <p:style>
-          <a:lnRef idx="1">
-            <a:schemeClr val="dk1"/>
-          </a:lnRef>
-          <a:fillRef idx="0">
-            <a:schemeClr val="dk1"/>
-          </a:fillRef>
-          <a:effectRef idx="0">
-            <a:schemeClr val="dk1"/>
-          </a:effectRef>
-          <a:fontRef idx="minor">
-            <a:schemeClr val="tx1"/>
-          </a:fontRef>
-        </p:style>
-        <p:txBody>
-          <a:bodyPr lIns="0" tIns="0" rIns="0" bIns="0" anchor="ctr"/>
-          <a:lstStyle/>
-          <a:p>
-            <a:pPr lvl="0">
-              <a:defRPr sz="2400">
-                <a:effectLst>
-                  <a:outerShdw blurRad="25400" dist="23998" dir="2700000" rotWithShape="0">
-                    <a:srgbClr val="000000">
-                      <a:alpha val="31034"/>
-                    </a:srgbClr>
-                  </a:outerShdw>
-                </a:effectLst>
-              </a:defRPr>
-            </a:pPr>
-            <a:endParaRPr sz="2000">
-              <a:latin typeface="Arial" charset="0"/>
-              <a:ea typeface="Arial" charset="0"/>
-              <a:cs typeface="Arial" charset="0"/>
-            </a:endParaRPr>
-          </a:p>
-        </p:txBody>
-      </p:sp>
-      <p:sp>
-        <p:nvSpPr>
-          <p:cNvPr id="264" name="Shape 569"/>
-          <p:cNvSpPr/>
-          <p:nvPr/>
-        </p:nvSpPr>
-        <p:spPr>
-          <a:xfrm>
-            <a:off x="20868882" y="18882519"/>
-            <a:ext cx="7876595" cy="0"/>
-          </a:xfrm>
-          <a:prstGeom prst="line">
-            <a:avLst/>
-          </a:prstGeom>
-          <a:ln>
-            <a:tailEnd type="stealth"/>
-          </a:ln>
-        </p:spPr>
-        <p:style>
-          <a:lnRef idx="1">
-            <a:schemeClr val="accent1"/>
-          </a:lnRef>
-          <a:fillRef idx="3">
-            <a:schemeClr val="accent1"/>
-          </a:fillRef>
-          <a:effectRef idx="2">
-            <a:schemeClr val="accent1"/>
-          </a:effectRef>
-          <a:fontRef idx="minor">
-            <a:schemeClr val="lt1"/>
-          </a:fontRef>
-        </p:style>
-        <p:txBody>
-          <a:bodyPr lIns="0" tIns="0" rIns="0" bIns="0" anchor="ctr"/>
-          <a:lstStyle/>
-          <a:p>
-            <a:pPr lvl="0">
-              <a:defRPr sz="2400">
-                <a:effectLst>
-                  <a:outerShdw blurRad="25400" dist="23998" dir="2700000" rotWithShape="0">
-                    <a:srgbClr val="000000">
-                      <a:alpha val="31034"/>
-                    </a:srgbClr>
-                  </a:outerShdw>
-                </a:effectLst>
-              </a:defRPr>
-            </a:pPr>
-            <a:endParaRPr sz="2000">
-              <a:latin typeface="Arial" charset="0"/>
-              <a:ea typeface="Arial" charset="0"/>
-              <a:cs typeface="Arial" charset="0"/>
-            </a:endParaRPr>
-          </a:p>
-        </p:txBody>
-      </p:sp>
-      <p:sp>
-        <p:nvSpPr>
           <p:cNvPr id="252" name="13 Marcador de texto"/>
           <p:cNvSpPr txBox="1">
             <a:spLocks/>
@@ -4680,471 +4577,6 @@
               </a:rPr>
               <a:t>Cronograma</a:t>
             </a:r>
-          </a:p>
-        </p:txBody>
-      </p:sp>
-      <p:sp>
-        <p:nvSpPr>
-          <p:cNvPr id="255" name="20 Marcador de contenido"/>
-          <p:cNvSpPr txBox="1">
-            <a:spLocks/>
-          </p:cNvSpPr>
-          <p:nvPr/>
-        </p:nvSpPr>
-        <p:spPr>
-          <a:xfrm>
-            <a:off x="1874837" y="27828155"/>
-            <a:ext cx="11520000" cy="6120000"/>
-          </a:xfrm>
-          <a:custGeom>
-            <a:avLst/>
-            <a:gdLst>
-              <a:gd name="connsiteX0" fmla="*/ 0 w 12954000"/>
-              <a:gd name="connsiteY0" fmla="*/ 0 h 10744200"/>
-              <a:gd name="connsiteX1" fmla="*/ 10201766 w 12954000"/>
-              <a:gd name="connsiteY1" fmla="*/ 0 h 10744200"/>
-              <a:gd name="connsiteX2" fmla="*/ 12954000 w 12954000"/>
-              <a:gd name="connsiteY2" fmla="*/ 2752234 h 10744200"/>
-              <a:gd name="connsiteX3" fmla="*/ 12954000 w 12954000"/>
-              <a:gd name="connsiteY3" fmla="*/ 10744200 h 10744200"/>
-              <a:gd name="connsiteX4" fmla="*/ 0 w 12954000"/>
-              <a:gd name="connsiteY4" fmla="*/ 10744200 h 10744200"/>
-              <a:gd name="connsiteX5" fmla="*/ 0 w 12954000"/>
-              <a:gd name="connsiteY5" fmla="*/ 0 h 10744200"/>
-              <a:gd name="connsiteX0" fmla="*/ 0 w 12954000"/>
-              <a:gd name="connsiteY0" fmla="*/ 0 h 10744200"/>
-              <a:gd name="connsiteX1" fmla="*/ 10201766 w 12954000"/>
-              <a:gd name="connsiteY1" fmla="*/ 0 h 10744200"/>
-              <a:gd name="connsiteX2" fmla="*/ 12954000 w 12954000"/>
-              <a:gd name="connsiteY2" fmla="*/ 2752234 h 10744200"/>
-              <a:gd name="connsiteX3" fmla="*/ 12954000 w 12954000"/>
-              <a:gd name="connsiteY3" fmla="*/ 10744200 h 10744200"/>
-              <a:gd name="connsiteX4" fmla="*/ 0 w 12954000"/>
-              <a:gd name="connsiteY4" fmla="*/ 10744200 h 10744200"/>
-              <a:gd name="connsiteX5" fmla="*/ 0 w 12954000"/>
-              <a:gd name="connsiteY5" fmla="*/ 0 h 10744200"/>
-              <a:gd name="connsiteX0" fmla="*/ 0 w 12954000"/>
-              <a:gd name="connsiteY0" fmla="*/ 0 h 10744200"/>
-              <a:gd name="connsiteX1" fmla="*/ 10201766 w 12954000"/>
-              <a:gd name="connsiteY1" fmla="*/ 0 h 10744200"/>
-              <a:gd name="connsiteX2" fmla="*/ 12954000 w 12954000"/>
-              <a:gd name="connsiteY2" fmla="*/ 2752234 h 10744200"/>
-              <a:gd name="connsiteX3" fmla="*/ 12954000 w 12954000"/>
-              <a:gd name="connsiteY3" fmla="*/ 10744200 h 10744200"/>
-              <a:gd name="connsiteX4" fmla="*/ 0 w 12954000"/>
-              <a:gd name="connsiteY4" fmla="*/ 10744200 h 10744200"/>
-              <a:gd name="connsiteX5" fmla="*/ 0 w 12954000"/>
-              <a:gd name="connsiteY5" fmla="*/ 0 h 10744200"/>
-              <a:gd name="connsiteX0" fmla="*/ 0 w 12954000"/>
-              <a:gd name="connsiteY0" fmla="*/ 0 h 10744200"/>
-              <a:gd name="connsiteX1" fmla="*/ 10201766 w 12954000"/>
-              <a:gd name="connsiteY1" fmla="*/ 0 h 10744200"/>
-              <a:gd name="connsiteX2" fmla="*/ 12954000 w 12954000"/>
-              <a:gd name="connsiteY2" fmla="*/ 2752234 h 10744200"/>
-              <a:gd name="connsiteX3" fmla="*/ 12954000 w 12954000"/>
-              <a:gd name="connsiteY3" fmla="*/ 10744200 h 10744200"/>
-              <a:gd name="connsiteX4" fmla="*/ 1859458 w 12954000"/>
-              <a:gd name="connsiteY4" fmla="*/ 10671401 h 10744200"/>
-              <a:gd name="connsiteX5" fmla="*/ 0 w 12954000"/>
-              <a:gd name="connsiteY5" fmla="*/ 10744200 h 10744200"/>
-              <a:gd name="connsiteX6" fmla="*/ 0 w 12954000"/>
-              <a:gd name="connsiteY6" fmla="*/ 0 h 10744200"/>
-              <a:gd name="connsiteX0" fmla="*/ 0 w 12954000"/>
-              <a:gd name="connsiteY0" fmla="*/ 0 h 10744200"/>
-              <a:gd name="connsiteX1" fmla="*/ 10201766 w 12954000"/>
-              <a:gd name="connsiteY1" fmla="*/ 0 h 10744200"/>
-              <a:gd name="connsiteX2" fmla="*/ 12954000 w 12954000"/>
-              <a:gd name="connsiteY2" fmla="*/ 2752234 h 10744200"/>
-              <a:gd name="connsiteX3" fmla="*/ 12954000 w 12954000"/>
-              <a:gd name="connsiteY3" fmla="*/ 10744200 h 10744200"/>
-              <a:gd name="connsiteX4" fmla="*/ 1859458 w 12954000"/>
-              <a:gd name="connsiteY4" fmla="*/ 10671401 h 10744200"/>
-              <a:gd name="connsiteX5" fmla="*/ 0 w 12954000"/>
-              <a:gd name="connsiteY5" fmla="*/ 9451343 h 10744200"/>
-              <a:gd name="connsiteX6" fmla="*/ 0 w 12954000"/>
-              <a:gd name="connsiteY6" fmla="*/ 0 h 10744200"/>
-              <a:gd name="connsiteX0" fmla="*/ 0 w 12954000"/>
-              <a:gd name="connsiteY0" fmla="*/ 0 h 10744200"/>
-              <a:gd name="connsiteX1" fmla="*/ 10201766 w 12954000"/>
-              <a:gd name="connsiteY1" fmla="*/ 0 h 10744200"/>
-              <a:gd name="connsiteX2" fmla="*/ 12954000 w 12954000"/>
-              <a:gd name="connsiteY2" fmla="*/ 2752234 h 10744200"/>
-              <a:gd name="connsiteX3" fmla="*/ 12954000 w 12954000"/>
-              <a:gd name="connsiteY3" fmla="*/ 10744200 h 10744200"/>
-              <a:gd name="connsiteX4" fmla="*/ 1713790 w 12954000"/>
-              <a:gd name="connsiteY4" fmla="*/ 10727611 h 10744200"/>
-              <a:gd name="connsiteX5" fmla="*/ 0 w 12954000"/>
-              <a:gd name="connsiteY5" fmla="*/ 9451343 h 10744200"/>
-              <a:gd name="connsiteX6" fmla="*/ 0 w 12954000"/>
-              <a:gd name="connsiteY6" fmla="*/ 0 h 10744200"/>
-              <a:gd name="connsiteX0" fmla="*/ 0 w 12954000"/>
-              <a:gd name="connsiteY0" fmla="*/ 0 h 10744200"/>
-              <a:gd name="connsiteX1" fmla="*/ 10201766 w 12954000"/>
-              <a:gd name="connsiteY1" fmla="*/ 0 h 10744200"/>
-              <a:gd name="connsiteX2" fmla="*/ 12954000 w 12954000"/>
-              <a:gd name="connsiteY2" fmla="*/ 2752234 h 10744200"/>
-              <a:gd name="connsiteX3" fmla="*/ 12954000 w 12954000"/>
-              <a:gd name="connsiteY3" fmla="*/ 10744200 h 10744200"/>
-              <a:gd name="connsiteX4" fmla="*/ 1713790 w 12954000"/>
-              <a:gd name="connsiteY4" fmla="*/ 10727611 h 10744200"/>
-              <a:gd name="connsiteX5" fmla="*/ 0 w 12954000"/>
-              <a:gd name="connsiteY5" fmla="*/ 9451343 h 10744200"/>
-              <a:gd name="connsiteX6" fmla="*/ 0 w 12954000"/>
-              <a:gd name="connsiteY6" fmla="*/ 0 h 10744200"/>
-              <a:gd name="connsiteX0" fmla="*/ 22226 w 12976226"/>
-              <a:gd name="connsiteY0" fmla="*/ 0 h 11059130"/>
-              <a:gd name="connsiteX1" fmla="*/ 10223992 w 12976226"/>
-              <a:gd name="connsiteY1" fmla="*/ 0 h 11059130"/>
-              <a:gd name="connsiteX2" fmla="*/ 12976226 w 12976226"/>
-              <a:gd name="connsiteY2" fmla="*/ 2752234 h 11059130"/>
-              <a:gd name="connsiteX3" fmla="*/ 12976226 w 12976226"/>
-              <a:gd name="connsiteY3" fmla="*/ 10744200 h 11059130"/>
-              <a:gd name="connsiteX4" fmla="*/ 1736016 w 12976226"/>
-              <a:gd name="connsiteY4" fmla="*/ 10727611 h 11059130"/>
-              <a:gd name="connsiteX5" fmla="*/ 22226 w 12976226"/>
-              <a:gd name="connsiteY5" fmla="*/ 9451343 h 11059130"/>
-              <a:gd name="connsiteX6" fmla="*/ 22226 w 12976226"/>
-              <a:gd name="connsiteY6" fmla="*/ 0 h 11059130"/>
-              <a:gd name="connsiteX0" fmla="*/ 65381 w 13019381"/>
-              <a:gd name="connsiteY0" fmla="*/ 0 h 10744200"/>
-              <a:gd name="connsiteX1" fmla="*/ 10267147 w 13019381"/>
-              <a:gd name="connsiteY1" fmla="*/ 0 h 10744200"/>
-              <a:gd name="connsiteX2" fmla="*/ 13019381 w 13019381"/>
-              <a:gd name="connsiteY2" fmla="*/ 2752234 h 10744200"/>
-              <a:gd name="connsiteX3" fmla="*/ 13019381 w 13019381"/>
-              <a:gd name="connsiteY3" fmla="*/ 10744200 h 10744200"/>
-              <a:gd name="connsiteX4" fmla="*/ 1779171 w 13019381"/>
-              <a:gd name="connsiteY4" fmla="*/ 10727611 h 10744200"/>
-              <a:gd name="connsiteX5" fmla="*/ 65381 w 13019381"/>
-              <a:gd name="connsiteY5" fmla="*/ 9451343 h 10744200"/>
-              <a:gd name="connsiteX6" fmla="*/ 65381 w 13019381"/>
-              <a:gd name="connsiteY6" fmla="*/ 0 h 10744200"/>
-              <a:gd name="connsiteX0" fmla="*/ 102228 w 13056228"/>
-              <a:gd name="connsiteY0" fmla="*/ 0 h 10744200"/>
-              <a:gd name="connsiteX1" fmla="*/ 10303994 w 13056228"/>
-              <a:gd name="connsiteY1" fmla="*/ 0 h 10744200"/>
-              <a:gd name="connsiteX2" fmla="*/ 13056228 w 13056228"/>
-              <a:gd name="connsiteY2" fmla="*/ 2752234 h 10744200"/>
-              <a:gd name="connsiteX3" fmla="*/ 13056228 w 13056228"/>
-              <a:gd name="connsiteY3" fmla="*/ 10744200 h 10744200"/>
-              <a:gd name="connsiteX4" fmla="*/ 1816018 w 13056228"/>
-              <a:gd name="connsiteY4" fmla="*/ 10727611 h 10744200"/>
-              <a:gd name="connsiteX5" fmla="*/ 53672 w 13056228"/>
-              <a:gd name="connsiteY5" fmla="*/ 8214696 h 10744200"/>
-              <a:gd name="connsiteX6" fmla="*/ 102228 w 13056228"/>
-              <a:gd name="connsiteY6" fmla="*/ 0 h 10744200"/>
-              <a:gd name="connsiteX0" fmla="*/ 102228 w 13056228"/>
-              <a:gd name="connsiteY0" fmla="*/ 0 h 10744200"/>
-              <a:gd name="connsiteX1" fmla="*/ 10303994 w 13056228"/>
-              <a:gd name="connsiteY1" fmla="*/ 0 h 10744200"/>
-              <a:gd name="connsiteX2" fmla="*/ 13056228 w 13056228"/>
-              <a:gd name="connsiteY2" fmla="*/ 2752234 h 10744200"/>
-              <a:gd name="connsiteX3" fmla="*/ 13056228 w 13056228"/>
-              <a:gd name="connsiteY3" fmla="*/ 10744200 h 10744200"/>
-              <a:gd name="connsiteX4" fmla="*/ 1816018 w 13056228"/>
-              <a:gd name="connsiteY4" fmla="*/ 10727611 h 10744200"/>
-              <a:gd name="connsiteX5" fmla="*/ 53672 w 13056228"/>
-              <a:gd name="connsiteY5" fmla="*/ 8214696 h 10744200"/>
-              <a:gd name="connsiteX6" fmla="*/ 102228 w 13056228"/>
-              <a:gd name="connsiteY6" fmla="*/ 0 h 10744200"/>
-              <a:gd name="connsiteX0" fmla="*/ 80739 w 13034739"/>
-              <a:gd name="connsiteY0" fmla="*/ 0 h 10744200"/>
-              <a:gd name="connsiteX1" fmla="*/ 10282505 w 13034739"/>
-              <a:gd name="connsiteY1" fmla="*/ 0 h 10744200"/>
-              <a:gd name="connsiteX2" fmla="*/ 13034739 w 13034739"/>
-              <a:gd name="connsiteY2" fmla="*/ 2752234 h 10744200"/>
-              <a:gd name="connsiteX3" fmla="*/ 13034739 w 13034739"/>
-              <a:gd name="connsiteY3" fmla="*/ 10744200 h 10744200"/>
-              <a:gd name="connsiteX4" fmla="*/ 1794529 w 13034739"/>
-              <a:gd name="connsiteY4" fmla="*/ 10727611 h 10744200"/>
-              <a:gd name="connsiteX5" fmla="*/ 32183 w 13034739"/>
-              <a:gd name="connsiteY5" fmla="*/ 8214696 h 10744200"/>
-              <a:gd name="connsiteX6" fmla="*/ 80739 w 13034739"/>
-              <a:gd name="connsiteY6" fmla="*/ 0 h 10744200"/>
-              <a:gd name="connsiteX0" fmla="*/ 48556 w 13002556"/>
-              <a:gd name="connsiteY0" fmla="*/ 0 h 10744200"/>
-              <a:gd name="connsiteX1" fmla="*/ 10250322 w 13002556"/>
-              <a:gd name="connsiteY1" fmla="*/ 0 h 10744200"/>
-              <a:gd name="connsiteX2" fmla="*/ 13002556 w 13002556"/>
-              <a:gd name="connsiteY2" fmla="*/ 2752234 h 10744200"/>
-              <a:gd name="connsiteX3" fmla="*/ 13002556 w 13002556"/>
-              <a:gd name="connsiteY3" fmla="*/ 10744200 h 10744200"/>
-              <a:gd name="connsiteX4" fmla="*/ 1762346 w 13002556"/>
-              <a:gd name="connsiteY4" fmla="*/ 10727611 h 10744200"/>
-              <a:gd name="connsiteX5" fmla="*/ 0 w 13002556"/>
-              <a:gd name="connsiteY5" fmla="*/ 8214696 h 10744200"/>
-              <a:gd name="connsiteX6" fmla="*/ 48556 w 13002556"/>
-              <a:gd name="connsiteY6" fmla="*/ 0 h 10744200"/>
-              <a:gd name="connsiteX0" fmla="*/ 48884 w 13002884"/>
-              <a:gd name="connsiteY0" fmla="*/ 0 h 10744200"/>
-              <a:gd name="connsiteX1" fmla="*/ 10250650 w 13002884"/>
-              <a:gd name="connsiteY1" fmla="*/ 0 h 10744200"/>
-              <a:gd name="connsiteX2" fmla="*/ 13002884 w 13002884"/>
-              <a:gd name="connsiteY2" fmla="*/ 2752234 h 10744200"/>
-              <a:gd name="connsiteX3" fmla="*/ 13002884 w 13002884"/>
-              <a:gd name="connsiteY3" fmla="*/ 10744200 h 10744200"/>
-              <a:gd name="connsiteX4" fmla="*/ 1762674 w 13002884"/>
-              <a:gd name="connsiteY4" fmla="*/ 10727611 h 10744200"/>
-              <a:gd name="connsiteX5" fmla="*/ 328 w 13002884"/>
-              <a:gd name="connsiteY5" fmla="*/ 8214696 h 10744200"/>
-              <a:gd name="connsiteX6" fmla="*/ 48884 w 13002884"/>
-              <a:gd name="connsiteY6" fmla="*/ 0 h 10744200"/>
-            </a:gdLst>
-            <a:ahLst/>
-            <a:cxnLst>
-              <a:cxn ang="0">
-                <a:pos x="connsiteX0" y="connsiteY0"/>
-              </a:cxn>
-              <a:cxn ang="0">
-                <a:pos x="connsiteX1" y="connsiteY1"/>
-              </a:cxn>
-              <a:cxn ang="0">
-                <a:pos x="connsiteX2" y="connsiteY2"/>
-              </a:cxn>
-              <a:cxn ang="0">
-                <a:pos x="connsiteX3" y="connsiteY3"/>
-              </a:cxn>
-              <a:cxn ang="0">
-                <a:pos x="connsiteX4" y="connsiteY4"/>
-              </a:cxn>
-              <a:cxn ang="0">
-                <a:pos x="connsiteX5" y="connsiteY5"/>
-              </a:cxn>
-              <a:cxn ang="0">
-                <a:pos x="connsiteX6" y="connsiteY6"/>
-              </a:cxn>
-            </a:cxnLst>
-            <a:rect l="l" t="t" r="r" b="b"/>
-            <a:pathLst>
-              <a:path w="13002884" h="10744200">
-                <a:moveTo>
-                  <a:pt x="48884" y="0"/>
-                </a:moveTo>
-                <a:lnTo>
-                  <a:pt x="10250650" y="0"/>
-                </a:lnTo>
-                <a:cubicBezTo>
-                  <a:pt x="11853861" y="41111"/>
-                  <a:pt x="12999873" y="1072823"/>
-                  <a:pt x="13002884" y="2752234"/>
-                </a:cubicBezTo>
-                <a:lnTo>
-                  <a:pt x="13002884" y="10744200"/>
-                </a:lnTo>
-                <a:lnTo>
-                  <a:pt x="1762674" y="10727611"/>
-                </a:lnTo>
-                <a:cubicBezTo>
-                  <a:pt x="268859" y="10751878"/>
-                  <a:pt x="-11073" y="10157822"/>
-                  <a:pt x="328" y="8214696"/>
-                </a:cubicBezTo>
-                <a:lnTo>
-                  <a:pt x="48884" y="0"/>
-                </a:lnTo>
-                <a:close/>
-              </a:path>
-            </a:pathLst>
-          </a:custGeom>
-          <a:ln w="57150">
-            <a:headEnd/>
-            <a:tailEnd/>
-          </a:ln>
-        </p:spPr>
-        <p:style>
-          <a:lnRef idx="2">
-            <a:schemeClr val="accent4"/>
-          </a:lnRef>
-          <a:fillRef idx="1">
-            <a:schemeClr val="lt1"/>
-          </a:fillRef>
-          <a:effectRef idx="0">
-            <a:schemeClr val="accent4"/>
-          </a:effectRef>
-          <a:fontRef idx="minor">
-            <a:schemeClr val="dk1"/>
-          </a:fontRef>
-        </p:style>
-        <p:txBody>
-          <a:bodyPr>
-            <a:noAutofit/>
-          </a:bodyPr>
-          <a:lstStyle>
-            <a:lvl1pPr marL="463550" indent="-463550" algn="l" defTabSz="3557588" rtl="0" eaLnBrk="0" fontAlgn="base" hangingPunct="0">
-              <a:lnSpc>
-                <a:spcPct val="100000"/>
-              </a:lnSpc>
-              <a:spcBef>
-                <a:spcPts val="0"/>
-              </a:spcBef>
-              <a:spcAft>
-                <a:spcPct val="0"/>
-              </a:spcAft>
-              <a:buFont typeface="Arial" charset="0"/>
-              <a:buChar char="•"/>
-              <a:defRPr lang="es-ES" sz="5400" kern="1200" dirty="0" smtClean="0">
-                <a:solidFill>
-                  <a:schemeClr val="tx1"/>
-                </a:solidFill>
-                <a:latin typeface="+mn-lt"/>
-                <a:ea typeface="+mn-ea"/>
-                <a:cs typeface="+mn-cs"/>
-              </a:defRPr>
-            </a:lvl1pPr>
-            <a:lvl2pPr marL="463550" indent="-463550" algn="l" defTabSz="3557588" rtl="0" eaLnBrk="0" fontAlgn="base" hangingPunct="0">
-              <a:lnSpc>
-                <a:spcPct val="100000"/>
-              </a:lnSpc>
-              <a:spcBef>
-                <a:spcPts val="0"/>
-              </a:spcBef>
-              <a:spcAft>
-                <a:spcPct val="0"/>
-              </a:spcAft>
-              <a:buFont typeface="Arial" charset="0"/>
-              <a:buChar char="–"/>
-              <a:defRPr lang="es-ES" sz="4800" kern="1200" dirty="0" smtClean="0">
-                <a:solidFill>
-                  <a:schemeClr val="tx1"/>
-                </a:solidFill>
-                <a:latin typeface="+mn-lt"/>
-                <a:ea typeface="+mn-ea"/>
-                <a:cs typeface="+mn-cs"/>
-              </a:defRPr>
-            </a:lvl2pPr>
-            <a:lvl3pPr marL="463550" indent="-463550" algn="l" defTabSz="3557588" rtl="0" eaLnBrk="0" fontAlgn="base" hangingPunct="0">
-              <a:lnSpc>
-                <a:spcPct val="100000"/>
-              </a:lnSpc>
-              <a:spcBef>
-                <a:spcPts val="0"/>
-              </a:spcBef>
-              <a:spcAft>
-                <a:spcPct val="0"/>
-              </a:spcAft>
-              <a:buFont typeface="Arial" charset="0"/>
-              <a:buChar char="•"/>
-              <a:defRPr lang="es-ES" sz="4400" kern="1200" dirty="0" smtClean="0">
-                <a:solidFill>
-                  <a:schemeClr val="tx1"/>
-                </a:solidFill>
-                <a:latin typeface="+mn-lt"/>
-                <a:ea typeface="+mn-ea"/>
-                <a:cs typeface="+mn-cs"/>
-              </a:defRPr>
-            </a:lvl3pPr>
-            <a:lvl4pPr marL="463550" indent="-463550" algn="l" defTabSz="3557588" rtl="0" eaLnBrk="0" fontAlgn="base" hangingPunct="0">
-              <a:lnSpc>
-                <a:spcPct val="100000"/>
-              </a:lnSpc>
-              <a:spcBef>
-                <a:spcPts val="0"/>
-              </a:spcBef>
-              <a:spcAft>
-                <a:spcPct val="0"/>
-              </a:spcAft>
-              <a:buFont typeface="Arial" charset="0"/>
-              <a:buChar char="–"/>
-              <a:defRPr lang="es-ES" sz="4000" kern="1200" dirty="0" smtClean="0">
-                <a:solidFill>
-                  <a:schemeClr val="tx1"/>
-                </a:solidFill>
-                <a:latin typeface="+mn-lt"/>
-                <a:ea typeface="+mn-ea"/>
-                <a:cs typeface="+mn-cs"/>
-              </a:defRPr>
-            </a:lvl4pPr>
-            <a:lvl5pPr marL="463550" indent="-463550" algn="l" defTabSz="3557588" rtl="0" eaLnBrk="0" fontAlgn="base" hangingPunct="0">
-              <a:lnSpc>
-                <a:spcPct val="100000"/>
-              </a:lnSpc>
-              <a:spcBef>
-                <a:spcPts val="0"/>
-              </a:spcBef>
-              <a:spcAft>
-                <a:spcPct val="0"/>
-              </a:spcAft>
-              <a:buFont typeface="Arial" charset="0"/>
-              <a:buChar char="»"/>
-              <a:defRPr lang="es-CO" sz="3600" kern="1200" dirty="0" smtClean="0">
-                <a:solidFill>
-                  <a:schemeClr val="tx1"/>
-                </a:solidFill>
-                <a:latin typeface="+mn-lt"/>
-                <a:ea typeface="+mn-ea"/>
-                <a:cs typeface="+mn-cs"/>
-              </a:defRPr>
-            </a:lvl5pPr>
-            <a:lvl6pPr marL="9785314" indent="-889574" algn="l" defTabSz="3558296" rtl="0" eaLnBrk="1" latinLnBrk="0" hangingPunct="1">
-              <a:spcBef>
-                <a:spcPct val="20000"/>
-              </a:spcBef>
-              <a:buFont typeface="Arial" pitchFamily="34" charset="0"/>
-              <a:buChar char="•"/>
-              <a:defRPr sz="7800" kern="1200">
-                <a:solidFill>
-                  <a:schemeClr val="tx1"/>
-                </a:solidFill>
-                <a:latin typeface="+mn-lt"/>
-                <a:ea typeface="+mn-ea"/>
-                <a:cs typeface="+mn-cs"/>
-              </a:defRPr>
-            </a:lvl6pPr>
-            <a:lvl7pPr marL="11564463" indent="-889574" algn="l" defTabSz="3558296" rtl="0" eaLnBrk="1" latinLnBrk="0" hangingPunct="1">
-              <a:spcBef>
-                <a:spcPct val="20000"/>
-              </a:spcBef>
-              <a:buFont typeface="Arial" pitchFamily="34" charset="0"/>
-              <a:buChar char="•"/>
-              <a:defRPr sz="7800" kern="1200">
-                <a:solidFill>
-                  <a:schemeClr val="tx1"/>
-                </a:solidFill>
-                <a:latin typeface="+mn-lt"/>
-                <a:ea typeface="+mn-ea"/>
-                <a:cs typeface="+mn-cs"/>
-              </a:defRPr>
-            </a:lvl7pPr>
-            <a:lvl8pPr marL="13343611" indent="-889574" algn="l" defTabSz="3558296" rtl="0" eaLnBrk="1" latinLnBrk="0" hangingPunct="1">
-              <a:spcBef>
-                <a:spcPct val="20000"/>
-              </a:spcBef>
-              <a:buFont typeface="Arial" pitchFamily="34" charset="0"/>
-              <a:buChar char="•"/>
-              <a:defRPr sz="7800" kern="1200">
-                <a:solidFill>
-                  <a:schemeClr val="tx1"/>
-                </a:solidFill>
-                <a:latin typeface="+mn-lt"/>
-                <a:ea typeface="+mn-ea"/>
-                <a:cs typeface="+mn-cs"/>
-              </a:defRPr>
-            </a:lvl8pPr>
-            <a:lvl9pPr marL="15122759" indent="-889574" algn="l" defTabSz="3558296" rtl="0" eaLnBrk="1" latinLnBrk="0" hangingPunct="1">
-              <a:spcBef>
-                <a:spcPct val="20000"/>
-              </a:spcBef>
-              <a:buFont typeface="Arial" pitchFamily="34" charset="0"/>
-              <a:buChar char="•"/>
-              <a:defRPr sz="7800" kern="1200">
-                <a:solidFill>
-                  <a:schemeClr val="tx1"/>
-                </a:solidFill>
-                <a:latin typeface="+mn-lt"/>
-                <a:ea typeface="+mn-ea"/>
-                <a:cs typeface="+mn-cs"/>
-              </a:defRPr>
-            </a:lvl9pPr>
-          </a:lstStyle>
-          <a:p>
-            <a:pPr marL="0" indent="0">
-              <a:buNone/>
-            </a:pPr>
-            <a:endParaRPr lang="es-CO" dirty="0">
-              <a:latin typeface="Arial" charset="0"/>
-              <a:ea typeface="Arial" charset="0"/>
-              <a:cs typeface="Arial" charset="0"/>
-            </a:endParaRPr>
           </a:p>
         </p:txBody>
       </p:sp>
@@ -5650,13 +5082,80 @@
               <a:buNone/>
             </a:pPr>
             <a:r>
-              <a:rPr lang="es-CO" dirty="0">
+              <a:rPr lang="es-CO" sz="4000" b="1" dirty="0">
                 <a:latin typeface="Arial" charset="0"/>
                 <a:ea typeface="Arial" charset="0"/>
                 <a:cs typeface="Arial" charset="0"/>
               </a:rPr>
-              <a:t>Bibliografía</a:t>
+              <a:t>BIBLIOGRAFÍA:</a:t>
             </a:r>
+          </a:p>
+          <a:p>
+            <a:r>
+              <a:rPr lang="es-CO" sz="3200" dirty="0">
+                <a:latin typeface="Arial" charset="0"/>
+                <a:ea typeface="Arial" charset="0"/>
+                <a:cs typeface="Arial" charset="0"/>
+              </a:rPr>
+              <a:t>Ingeniería de software. Teoría y práctica. PRENTICE HALL 2002.</a:t>
+            </a:r>
+          </a:p>
+          <a:p>
+            <a:r>
+              <a:rPr lang="es-CO" sz="3200" dirty="0">
+                <a:latin typeface="Arial" charset="0"/>
+                <a:ea typeface="Arial" charset="0"/>
+                <a:cs typeface="Arial" charset="0"/>
+              </a:rPr>
+              <a:t>Ingeniería de software. Un enfoque práctico. MACGRAW HILL 2005.</a:t>
+            </a:r>
+          </a:p>
+          <a:p>
+            <a:r>
+              <a:rPr lang="es-CO" sz="3200" dirty="0">
+                <a:latin typeface="Arial" charset="0"/>
+                <a:ea typeface="Arial" charset="0"/>
+                <a:cs typeface="Arial" charset="0"/>
+              </a:rPr>
+              <a:t>Lenguaje unificado de modelado. Manual de referencia. ADDISON WESLEY 2004.</a:t>
+            </a:r>
+          </a:p>
+          <a:p>
+            <a:r>
+              <a:rPr lang="es-CO" sz="3200" dirty="0">
+                <a:latin typeface="Arial" charset="0"/>
+                <a:ea typeface="Arial" charset="0"/>
+                <a:cs typeface="Arial" charset="0"/>
+              </a:rPr>
+              <a:t>Metodología para el análisis de requisitos del sistema de software. UNIVERSIDAD DE SEVILLA.</a:t>
+            </a:r>
+          </a:p>
+          <a:p>
+            <a:r>
+              <a:rPr lang="es-CO" sz="3200" dirty="0">
+                <a:latin typeface="Arial" charset="0"/>
+                <a:ea typeface="Arial" charset="0"/>
+                <a:cs typeface="Arial" charset="0"/>
+              </a:rPr>
+              <a:t>El proceso unificado de desarrollo de software. ADDISSON WESLEY. 2014</a:t>
+            </a:r>
+          </a:p>
+          <a:p>
+            <a:r>
+              <a:rPr lang="es-CO" sz="3200" dirty="0">
+                <a:latin typeface="Arial" charset="0"/>
+                <a:ea typeface="Arial" charset="0"/>
+                <a:cs typeface="Arial" charset="0"/>
+              </a:rPr>
+              <a:t>UML y patrones. PRENTICE HALL 2003.</a:t>
+            </a:r>
+          </a:p>
+          <a:p>
+            <a:endParaRPr lang="es-CO" dirty="0">
+              <a:latin typeface="Arial" charset="0"/>
+              <a:ea typeface="Arial" charset="0"/>
+              <a:cs typeface="Arial" charset="0"/>
+            </a:endParaRPr>
           </a:p>
         </p:txBody>
       </p:sp>
@@ -6520,23 +6019,7 @@
                 <a:ea typeface="Arial" charset="0"/>
                 <a:cs typeface="Arial" charset="0"/>
               </a:rPr>
-              <a:t>El software producto de </a:t>
-            </a:r>
-            <a:r>
-              <a:rPr lang="es-CO" sz="4400" dirty="0" err="1">
-                <a:latin typeface="Arial" charset="0"/>
-                <a:ea typeface="Arial" charset="0"/>
-                <a:cs typeface="Arial" charset="0"/>
-              </a:rPr>
-              <a:t>PoliBooking</a:t>
-            </a:r>
-            <a:r>
-              <a:rPr lang="es-CO" sz="4400" dirty="0">
-                <a:latin typeface="Arial" charset="0"/>
-                <a:ea typeface="Arial" charset="0"/>
-                <a:cs typeface="Arial" charset="0"/>
-              </a:rPr>
-              <a:t> debe responder a la siguiente lista de requerimientos funcionales que en general debe lograr agendar, modificar, renovar o desistir alguno de los servicios prestados por la universidad al estudiante como son los servicios en biblioteca y en bienestar.</a:t>
+              <a:t>El software producto de PoliBooking debe responder a la siguiente lista de requerimientos funcionales que en general debe lograr agendar, modificar, renovar o desistir alguno de los servicios prestados por la universidad al estudiante como son los servicios en biblioteca y en bienestar.</a:t>
             </a:r>
           </a:p>
         </p:txBody>
@@ -6549,7 +6032,7 @@
         </p:nvCxnSpPr>
         <p:spPr>
           <a:xfrm>
-            <a:off x="15693381" y="28026519"/>
+            <a:off x="15680935" y="28146125"/>
             <a:ext cx="0" cy="12240000"/>
           </a:xfrm>
           <a:prstGeom prst="line">
@@ -6726,8 +6209,8 @@
         </p:nvSpPr>
         <p:spPr>
           <a:xfrm flipV="1">
-            <a:off x="1874837" y="21473319"/>
-            <a:ext cx="11520000" cy="6120000"/>
+            <a:off x="1874837" y="21473317"/>
+            <a:ext cx="11520000" cy="6182208"/>
           </a:xfrm>
           <a:custGeom>
             <a:avLst/>
@@ -7306,174 +6789,6 @@
       </p:sp>
       <p:sp>
         <p:nvSpPr>
-          <p:cNvPr id="15" name="Corazón 14">
-            <a:extLst>
-              <a:ext uri="{FF2B5EF4-FFF2-40B4-BE49-F238E27FC236}">
-                <a16:creationId xmlns:a16="http://schemas.microsoft.com/office/drawing/2014/main" id="{239DE95C-F96E-4AF1-9D21-84858615C8EA}"/>
-              </a:ext>
-            </a:extLst>
-          </p:cNvPr>
-          <p:cNvSpPr/>
-          <p:nvPr/>
-        </p:nvSpPr>
-        <p:spPr>
-          <a:xfrm>
-            <a:off x="19693124" y="32157643"/>
-            <a:ext cx="4736910" cy="4118425"/>
-          </a:xfrm>
-          <a:prstGeom prst="heart">
-            <a:avLst/>
-          </a:prstGeom>
-        </p:spPr>
-        <p:style>
-          <a:lnRef idx="2">
-            <a:schemeClr val="accent1">
-              <a:shade val="50000"/>
-            </a:schemeClr>
-          </a:lnRef>
-          <a:fillRef idx="1">
-            <a:schemeClr val="accent1"/>
-          </a:fillRef>
-          <a:effectRef idx="0">
-            <a:schemeClr val="accent1"/>
-          </a:effectRef>
-          <a:fontRef idx="minor">
-            <a:schemeClr val="lt1"/>
-          </a:fontRef>
-        </p:style>
-        <p:txBody>
-          <a:bodyPr rtlCol="0" anchor="ctr"/>
-          <a:lstStyle/>
-          <a:p>
-            <a:pPr algn="ctr"/>
-            <a:r>
-              <a:rPr lang="es-CO" dirty="0"/>
-              <a:t>PB</a:t>
-            </a:r>
-          </a:p>
-        </p:txBody>
-      </p:sp>
-      <p:sp>
-        <p:nvSpPr>
-          <p:cNvPr id="16" name="CuadroTexto 15">
-            <a:extLst>
-              <a:ext uri="{FF2B5EF4-FFF2-40B4-BE49-F238E27FC236}">
-                <a16:creationId xmlns:a16="http://schemas.microsoft.com/office/drawing/2014/main" id="{E3E60200-006C-4127-A593-8BDCC0CB4A87}"/>
-              </a:ext>
-            </a:extLst>
-          </p:cNvPr>
-          <p:cNvSpPr txBox="1"/>
-          <p:nvPr/>
-        </p:nvSpPr>
-        <p:spPr bwMode="auto">
-          <a:xfrm>
-            <a:off x="19506961" y="36881461"/>
-            <a:ext cx="5109235" cy="974858"/>
-          </a:xfrm>
-          <a:prstGeom prst="rect">
-            <a:avLst/>
-          </a:prstGeom>
-          <a:noFill/>
-          <a:ln w="9525">
-            <a:noFill/>
-            <a:miter lim="800000"/>
-            <a:headEnd/>
-            <a:tailEnd/>
-          </a:ln>
-        </p:spPr>
-        <p:txBody>
-          <a:bodyPr vert="horz" wrap="none" lIns="355830" tIns="177915" rIns="355830" bIns="177915" numCol="1" rtlCol="0" anchor="ctr" anchorCtr="0" compatLnSpc="1">
-            <a:prstTxWarp prst="textNoShape">
-              <a:avLst/>
-            </a:prstTxWarp>
-            <a:spAutoFit/>
-          </a:bodyPr>
-          <a:lstStyle/>
-          <a:p>
-            <a:pPr marL="0" marR="0" indent="0" algn="r" defTabSz="3557588" rtl="0" eaLnBrk="1" fontAlgn="base" latinLnBrk="0" hangingPunct="1">
-              <a:lnSpc>
-                <a:spcPct val="100000"/>
-              </a:lnSpc>
-              <a:spcBef>
-                <a:spcPct val="0"/>
-              </a:spcBef>
-              <a:spcAft>
-                <a:spcPct val="0"/>
-              </a:spcAft>
-              <a:buClrTx/>
-              <a:buSzTx/>
-              <a:buFontTx/>
-              <a:buNone/>
-              <a:tabLst/>
-            </a:pPr>
-            <a:r>
-              <a:rPr lang="es-CO" sz="4000" kern="1200" dirty="0" err="1">
-                <a:solidFill>
-                  <a:schemeClr val="tx1"/>
-                </a:solidFill>
-                <a:latin typeface="Arial" charset="0"/>
-                <a:ea typeface="+mn-ea"/>
-                <a:cs typeface="Arial" charset="0"/>
-              </a:rPr>
-              <a:t>PoliBoking</a:t>
-            </a:r>
-            <a:r>
-              <a:rPr lang="es-CO" sz="4000" kern="1200" dirty="0">
-                <a:solidFill>
-                  <a:schemeClr val="tx1"/>
-                </a:solidFill>
-                <a:latin typeface="Arial" charset="0"/>
-                <a:ea typeface="+mn-ea"/>
-                <a:cs typeface="Arial" charset="0"/>
-              </a:rPr>
-              <a:t> </a:t>
-            </a:r>
-            <a:r>
-              <a:rPr lang="es-CO" sz="4000" kern="1200" dirty="0" err="1">
-                <a:solidFill>
-                  <a:schemeClr val="tx1"/>
-                </a:solidFill>
-                <a:latin typeface="Arial" charset="0"/>
-                <a:ea typeface="+mn-ea"/>
-                <a:cs typeface="Arial" charset="0"/>
-              </a:rPr>
-              <a:t>the</a:t>
-            </a:r>
-            <a:r>
-              <a:rPr lang="es-CO" sz="4000" kern="1200" dirty="0">
-                <a:solidFill>
-                  <a:schemeClr val="tx1"/>
-                </a:solidFill>
-                <a:latin typeface="Arial" charset="0"/>
-                <a:ea typeface="+mn-ea"/>
-                <a:cs typeface="Arial" charset="0"/>
-              </a:rPr>
-              <a:t> </a:t>
-            </a:r>
-            <a:r>
-              <a:rPr lang="es-CO" sz="4000" kern="1200" dirty="0" err="1">
-                <a:solidFill>
-                  <a:schemeClr val="tx1"/>
-                </a:solidFill>
-                <a:latin typeface="Arial" charset="0"/>
-                <a:ea typeface="+mn-ea"/>
-                <a:cs typeface="Arial" charset="0"/>
-              </a:rPr>
-              <a:t>best</a:t>
-            </a:r>
-            <a:endParaRPr lang="es-CO" sz="4000" kern="1200" dirty="0">
-              <a:solidFill>
-                <a:schemeClr val="tx1"/>
-              </a:solidFill>
-              <a:latin typeface="Arial" charset="0"/>
-              <a:ea typeface="+mn-ea"/>
-              <a:cs typeface="Arial" charset="0"/>
-            </a:endParaRPr>
-          </a:p>
-        </p:txBody>
-      </p:sp>
-      <p:sp>
-        <p:nvSpPr>
           <p:cNvPr id="6" name="CuadroTexto 5"/>
           <p:cNvSpPr txBox="1"/>
           <p:nvPr/>
@@ -7520,10 +6835,10 @@
               <a:tabLst/>
             </a:pPr>
             <a:r>
-              <a:rPr lang="es-CO" sz="3200" dirty="0" smtClean="0"/>
+              <a:rPr lang="es-CO" sz="3200" dirty="0"/>
               <a:t>Este proyecto se trabajó mediante la metodología RUP (RATIONAL UNIFIED PROCESS)  que nos permite mejorar la productividad  del equipo. En esta metodología el flujo de trabajo de procesos se maneja mediante cuatro fases (inicio, elaboración, construcción y transición) </a:t>
             </a:r>
-            <a:endParaRPr lang="es-CO" sz="3200" kern="1200" dirty="0" smtClean="0">
+            <a:endParaRPr lang="es-CO" sz="3200" kern="1200" dirty="0">
               <a:solidFill>
                 <a:schemeClr val="tx1"/>
               </a:solidFill>
@@ -7531,6 +6846,756 @@
           </a:p>
         </p:txBody>
       </p:sp>
+      <p:pic>
+        <p:nvPicPr>
+          <p:cNvPr id="9" name="Imagen 8">
+            <a:extLst>
+              <a:ext uri="{FF2B5EF4-FFF2-40B4-BE49-F238E27FC236}">
+                <a16:creationId xmlns:a16="http://schemas.microsoft.com/office/drawing/2014/main" id="{68BD1831-BB86-4B5E-9BCF-A70B5B6A0894}"/>
+              </a:ext>
+            </a:extLst>
+          </p:cNvPr>
+          <p:cNvPicPr>
+            <a:picLocks noChangeAspect="1"/>
+          </p:cNvPicPr>
+          <p:nvPr/>
+        </p:nvPicPr>
+        <p:blipFill>
+          <a:blip r:embed="rId13"/>
+          <a:stretch>
+            <a:fillRect/>
+          </a:stretch>
+        </p:blipFill>
+        <p:spPr>
+          <a:xfrm>
+            <a:off x="20252262" y="14332451"/>
+            <a:ext cx="8882857" cy="4928841"/>
+          </a:xfrm>
+          <a:prstGeom prst="rect">
+            <a:avLst/>
+          </a:prstGeom>
+        </p:spPr>
+      </p:pic>
+      <p:sp>
+        <p:nvSpPr>
+          <p:cNvPr id="12" name="CuadroTexto 11">
+            <a:extLst>
+              <a:ext uri="{FF2B5EF4-FFF2-40B4-BE49-F238E27FC236}">
+                <a16:creationId xmlns:a16="http://schemas.microsoft.com/office/drawing/2014/main" id="{81FF7272-57C5-42F3-B131-8965D61B714A}"/>
+              </a:ext>
+            </a:extLst>
+          </p:cNvPr>
+          <p:cNvSpPr txBox="1"/>
+          <p:nvPr/>
+        </p:nvSpPr>
+        <p:spPr bwMode="auto">
+          <a:xfrm>
+            <a:off x="15806280" y="29452001"/>
+            <a:ext cx="12501796" cy="9592602"/>
+          </a:xfrm>
+          <a:prstGeom prst="rect">
+            <a:avLst/>
+          </a:prstGeom>
+          <a:noFill/>
+          <a:ln w="9525">
+            <a:noFill/>
+            <a:miter lim="800000"/>
+            <a:headEnd/>
+            <a:tailEnd/>
+          </a:ln>
+        </p:spPr>
+        <p:txBody>
+          <a:bodyPr vert="horz" wrap="square" lIns="355830" tIns="177915" rIns="355830" bIns="177915" numCol="1" rtlCol="0" anchor="ctr" anchorCtr="0" compatLnSpc="1">
+            <a:prstTxWarp prst="textNoShape">
+              <a:avLst/>
+            </a:prstTxWarp>
+            <a:spAutoFit/>
+          </a:bodyPr>
+          <a:lstStyle/>
+          <a:p>
+            <a:pPr marL="571500" marR="0" indent="-571500" algn="just" defTabSz="3557588" rtl="0" eaLnBrk="1" fontAlgn="base" latinLnBrk="0" hangingPunct="1">
+              <a:lnSpc>
+                <a:spcPct val="100000"/>
+              </a:lnSpc>
+              <a:spcBef>
+                <a:spcPct val="0"/>
+              </a:spcBef>
+              <a:spcAft>
+                <a:spcPct val="0"/>
+              </a:spcAft>
+              <a:buClrTx/>
+              <a:buSzTx/>
+              <a:buFont typeface="Arial" panose="020B0604020202020204" pitchFamily="34" charset="0"/>
+              <a:buChar char="•"/>
+              <a:tabLst/>
+            </a:pPr>
+            <a:r>
+              <a:rPr lang="es-CO" sz="4000" dirty="0"/>
+              <a:t>Siguiendo la metodología RUP nos damos cuenta que realizar un proceso de desarrollo de software puede ser más efectivo que hacerlo de manera esporádica.</a:t>
+            </a:r>
+          </a:p>
+          <a:p>
+            <a:pPr marL="571500" marR="0" indent="-571500" algn="just" defTabSz="3557588" rtl="0" eaLnBrk="1" fontAlgn="base" latinLnBrk="0" hangingPunct="1">
+              <a:lnSpc>
+                <a:spcPct val="100000"/>
+              </a:lnSpc>
+              <a:spcBef>
+                <a:spcPct val="0"/>
+              </a:spcBef>
+              <a:spcAft>
+                <a:spcPct val="0"/>
+              </a:spcAft>
+              <a:buClrTx/>
+              <a:buSzTx/>
+              <a:buFont typeface="Arial" panose="020B0604020202020204" pitchFamily="34" charset="0"/>
+              <a:buChar char="•"/>
+              <a:tabLst/>
+            </a:pPr>
+            <a:r>
+              <a:rPr lang="es-CO" sz="4000" kern="1200" dirty="0">
+                <a:solidFill>
+                  <a:schemeClr val="tx1"/>
+                </a:solidFill>
+                <a:latin typeface="Arial" charset="0"/>
+                <a:ea typeface="+mn-ea"/>
+                <a:cs typeface="Arial" charset="0"/>
+              </a:rPr>
+              <a:t>Al contar con un man</a:t>
+            </a:r>
+            <a:r>
+              <a:rPr lang="es-CO" sz="4000" dirty="0"/>
+              <a:t>ejo de tiempos y asignación de tareas como lo es el cronograma el desarrollo se torna eficaz.</a:t>
+            </a:r>
+          </a:p>
+          <a:p>
+            <a:pPr marL="571500" marR="0" indent="-571500" algn="just" defTabSz="3557588" rtl="0" eaLnBrk="1" fontAlgn="base" latinLnBrk="0" hangingPunct="1">
+              <a:lnSpc>
+                <a:spcPct val="100000"/>
+              </a:lnSpc>
+              <a:spcBef>
+                <a:spcPct val="0"/>
+              </a:spcBef>
+              <a:spcAft>
+                <a:spcPct val="0"/>
+              </a:spcAft>
+              <a:buClrTx/>
+              <a:buSzTx/>
+              <a:buFont typeface="Arial" panose="020B0604020202020204" pitchFamily="34" charset="0"/>
+              <a:buChar char="•"/>
+              <a:tabLst/>
+            </a:pPr>
+            <a:r>
+              <a:rPr lang="es-CO" sz="4000" dirty="0"/>
+              <a:t>Al contar con un modelo de desarrollo iterativo se pueden revisar y realizar cambios a tiempo lo cual es muy práctico al momento de realizar el código.</a:t>
+            </a:r>
+          </a:p>
+          <a:p>
+            <a:pPr marL="571500" marR="0" indent="-571500" algn="just" defTabSz="3557588" rtl="0" eaLnBrk="1" fontAlgn="base" latinLnBrk="0" hangingPunct="1">
+              <a:lnSpc>
+                <a:spcPct val="100000"/>
+              </a:lnSpc>
+              <a:spcBef>
+                <a:spcPct val="0"/>
+              </a:spcBef>
+              <a:spcAft>
+                <a:spcPct val="0"/>
+              </a:spcAft>
+              <a:buClrTx/>
+              <a:buSzTx/>
+              <a:buFont typeface="Arial" panose="020B0604020202020204" pitchFamily="34" charset="0"/>
+              <a:buChar char="•"/>
+              <a:tabLst/>
+            </a:pPr>
+            <a:r>
+              <a:rPr lang="es-CO" sz="4000" dirty="0"/>
+              <a:t>Entre más acceso de personal haya en el desarrollo puede tornarse más complicada la comunicación, unificación de datos y retroalimentación de código.</a:t>
+            </a:r>
+            <a:endParaRPr lang="es-CO" sz="4000" kern="1200" dirty="0">
+              <a:solidFill>
+                <a:schemeClr val="tx1"/>
+              </a:solidFill>
+              <a:latin typeface="Arial" charset="0"/>
+              <a:ea typeface="+mn-ea"/>
+              <a:cs typeface="Arial" charset="0"/>
+            </a:endParaRPr>
+          </a:p>
+        </p:txBody>
+      </p:sp>
+      <p:pic>
+        <p:nvPicPr>
+          <p:cNvPr id="19" name="Imagen 18">
+            <a:extLst>
+              <a:ext uri="{FF2B5EF4-FFF2-40B4-BE49-F238E27FC236}">
+                <a16:creationId xmlns:a16="http://schemas.microsoft.com/office/drawing/2014/main" id="{2BCA1C94-E15F-452D-9A99-085DD5346D1B}"/>
+              </a:ext>
+            </a:extLst>
+          </p:cNvPr>
+          <p:cNvPicPr>
+            <a:picLocks noChangeAspect="1"/>
+          </p:cNvPicPr>
+          <p:nvPr/>
+        </p:nvPicPr>
+        <p:blipFill>
+          <a:blip r:embed="rId14">
+            <a:extLst>
+              <a:ext uri="{28A0092B-C50C-407E-A947-70E740481C1C}">
+                <a14:useLocalDpi xmlns:a14="http://schemas.microsoft.com/office/drawing/2010/main" val="0"/>
+              </a:ext>
+            </a:extLst>
+          </a:blip>
+          <a:stretch>
+            <a:fillRect/>
+          </a:stretch>
+        </p:blipFill>
+        <p:spPr>
+          <a:xfrm>
+            <a:off x="14654204" y="22077276"/>
+            <a:ext cx="13428119" cy="5477143"/>
+          </a:xfrm>
+          <a:prstGeom prst="rect">
+            <a:avLst/>
+          </a:prstGeom>
+        </p:spPr>
+      </p:pic>
+      <p:pic>
+        <p:nvPicPr>
+          <p:cNvPr id="48" name="Imagen 47">
+            <a:extLst>
+              <a:ext uri="{FF2B5EF4-FFF2-40B4-BE49-F238E27FC236}">
+                <a16:creationId xmlns:a16="http://schemas.microsoft.com/office/drawing/2014/main" id="{3BCA9B99-2FF2-44E2-933D-4FA0FBEA82E8}"/>
+              </a:ext>
+            </a:extLst>
+          </p:cNvPr>
+          <p:cNvPicPr/>
+          <p:nvPr/>
+        </p:nvPicPr>
+        <p:blipFill>
+          <a:blip r:embed="rId15">
+            <a:extLst>
+              <a:ext uri="{28A0092B-C50C-407E-A947-70E740481C1C}">
+                <a14:useLocalDpi xmlns:a14="http://schemas.microsoft.com/office/drawing/2010/main" val="0"/>
+              </a:ext>
+            </a:extLst>
+          </a:blip>
+          <a:stretch>
+            <a:fillRect/>
+          </a:stretch>
+        </p:blipFill>
+        <p:spPr>
+          <a:xfrm>
+            <a:off x="3246437" y="22119454"/>
+            <a:ext cx="8610600" cy="4953191"/>
+          </a:xfrm>
+          <a:prstGeom prst="rect">
+            <a:avLst/>
+          </a:prstGeom>
+        </p:spPr>
+      </p:pic>
+      <p:sp>
+        <p:nvSpPr>
+          <p:cNvPr id="50" name="20 Marcador de contenido">
+            <a:extLst>
+              <a:ext uri="{FF2B5EF4-FFF2-40B4-BE49-F238E27FC236}">
+                <a16:creationId xmlns:a16="http://schemas.microsoft.com/office/drawing/2014/main" id="{B0C3D539-5FAA-4516-AB82-23B35C979903}"/>
+              </a:ext>
+            </a:extLst>
+          </p:cNvPr>
+          <p:cNvSpPr txBox="1">
+            <a:spLocks/>
+          </p:cNvSpPr>
+          <p:nvPr/>
+        </p:nvSpPr>
+        <p:spPr>
+          <a:xfrm rot="10800000" flipV="1">
+            <a:off x="1959199" y="28194015"/>
+            <a:ext cx="11435633" cy="5810074"/>
+          </a:xfrm>
+          <a:custGeom>
+            <a:avLst/>
+            <a:gdLst>
+              <a:gd name="connsiteX0" fmla="*/ 0 w 12954000"/>
+              <a:gd name="connsiteY0" fmla="*/ 0 h 10744200"/>
+              <a:gd name="connsiteX1" fmla="*/ 10201766 w 12954000"/>
+              <a:gd name="connsiteY1" fmla="*/ 0 h 10744200"/>
+              <a:gd name="connsiteX2" fmla="*/ 12954000 w 12954000"/>
+              <a:gd name="connsiteY2" fmla="*/ 2752234 h 10744200"/>
+              <a:gd name="connsiteX3" fmla="*/ 12954000 w 12954000"/>
+              <a:gd name="connsiteY3" fmla="*/ 10744200 h 10744200"/>
+              <a:gd name="connsiteX4" fmla="*/ 0 w 12954000"/>
+              <a:gd name="connsiteY4" fmla="*/ 10744200 h 10744200"/>
+              <a:gd name="connsiteX5" fmla="*/ 0 w 12954000"/>
+              <a:gd name="connsiteY5" fmla="*/ 0 h 10744200"/>
+              <a:gd name="connsiteX0" fmla="*/ 0 w 12954000"/>
+              <a:gd name="connsiteY0" fmla="*/ 0 h 10744200"/>
+              <a:gd name="connsiteX1" fmla="*/ 10201766 w 12954000"/>
+              <a:gd name="connsiteY1" fmla="*/ 0 h 10744200"/>
+              <a:gd name="connsiteX2" fmla="*/ 12954000 w 12954000"/>
+              <a:gd name="connsiteY2" fmla="*/ 2752234 h 10744200"/>
+              <a:gd name="connsiteX3" fmla="*/ 12954000 w 12954000"/>
+              <a:gd name="connsiteY3" fmla="*/ 10744200 h 10744200"/>
+              <a:gd name="connsiteX4" fmla="*/ 0 w 12954000"/>
+              <a:gd name="connsiteY4" fmla="*/ 10744200 h 10744200"/>
+              <a:gd name="connsiteX5" fmla="*/ 0 w 12954000"/>
+              <a:gd name="connsiteY5" fmla="*/ 0 h 10744200"/>
+              <a:gd name="connsiteX0" fmla="*/ 0 w 12954000"/>
+              <a:gd name="connsiteY0" fmla="*/ 0 h 10744200"/>
+              <a:gd name="connsiteX1" fmla="*/ 10201766 w 12954000"/>
+              <a:gd name="connsiteY1" fmla="*/ 0 h 10744200"/>
+              <a:gd name="connsiteX2" fmla="*/ 12954000 w 12954000"/>
+              <a:gd name="connsiteY2" fmla="*/ 2752234 h 10744200"/>
+              <a:gd name="connsiteX3" fmla="*/ 12954000 w 12954000"/>
+              <a:gd name="connsiteY3" fmla="*/ 10744200 h 10744200"/>
+              <a:gd name="connsiteX4" fmla="*/ 0 w 12954000"/>
+              <a:gd name="connsiteY4" fmla="*/ 10744200 h 10744200"/>
+              <a:gd name="connsiteX5" fmla="*/ 0 w 12954000"/>
+              <a:gd name="connsiteY5" fmla="*/ 0 h 10744200"/>
+              <a:gd name="connsiteX0" fmla="*/ 0 w 12954000"/>
+              <a:gd name="connsiteY0" fmla="*/ 0 h 10744200"/>
+              <a:gd name="connsiteX1" fmla="*/ 10201766 w 12954000"/>
+              <a:gd name="connsiteY1" fmla="*/ 0 h 10744200"/>
+              <a:gd name="connsiteX2" fmla="*/ 12954000 w 12954000"/>
+              <a:gd name="connsiteY2" fmla="*/ 2752234 h 10744200"/>
+              <a:gd name="connsiteX3" fmla="*/ 12954000 w 12954000"/>
+              <a:gd name="connsiteY3" fmla="*/ 10744200 h 10744200"/>
+              <a:gd name="connsiteX4" fmla="*/ 1859458 w 12954000"/>
+              <a:gd name="connsiteY4" fmla="*/ 10671401 h 10744200"/>
+              <a:gd name="connsiteX5" fmla="*/ 0 w 12954000"/>
+              <a:gd name="connsiteY5" fmla="*/ 10744200 h 10744200"/>
+              <a:gd name="connsiteX6" fmla="*/ 0 w 12954000"/>
+              <a:gd name="connsiteY6" fmla="*/ 0 h 10744200"/>
+              <a:gd name="connsiteX0" fmla="*/ 0 w 12954000"/>
+              <a:gd name="connsiteY0" fmla="*/ 0 h 10744200"/>
+              <a:gd name="connsiteX1" fmla="*/ 10201766 w 12954000"/>
+              <a:gd name="connsiteY1" fmla="*/ 0 h 10744200"/>
+              <a:gd name="connsiteX2" fmla="*/ 12954000 w 12954000"/>
+              <a:gd name="connsiteY2" fmla="*/ 2752234 h 10744200"/>
+              <a:gd name="connsiteX3" fmla="*/ 12954000 w 12954000"/>
+              <a:gd name="connsiteY3" fmla="*/ 10744200 h 10744200"/>
+              <a:gd name="connsiteX4" fmla="*/ 1859458 w 12954000"/>
+              <a:gd name="connsiteY4" fmla="*/ 10671401 h 10744200"/>
+              <a:gd name="connsiteX5" fmla="*/ 0 w 12954000"/>
+              <a:gd name="connsiteY5" fmla="*/ 9451343 h 10744200"/>
+              <a:gd name="connsiteX6" fmla="*/ 0 w 12954000"/>
+              <a:gd name="connsiteY6" fmla="*/ 0 h 10744200"/>
+              <a:gd name="connsiteX0" fmla="*/ 0 w 12954000"/>
+              <a:gd name="connsiteY0" fmla="*/ 0 h 10744200"/>
+              <a:gd name="connsiteX1" fmla="*/ 10201766 w 12954000"/>
+              <a:gd name="connsiteY1" fmla="*/ 0 h 10744200"/>
+              <a:gd name="connsiteX2" fmla="*/ 12954000 w 12954000"/>
+              <a:gd name="connsiteY2" fmla="*/ 2752234 h 10744200"/>
+              <a:gd name="connsiteX3" fmla="*/ 12954000 w 12954000"/>
+              <a:gd name="connsiteY3" fmla="*/ 10744200 h 10744200"/>
+              <a:gd name="connsiteX4" fmla="*/ 1713790 w 12954000"/>
+              <a:gd name="connsiteY4" fmla="*/ 10727611 h 10744200"/>
+              <a:gd name="connsiteX5" fmla="*/ 0 w 12954000"/>
+              <a:gd name="connsiteY5" fmla="*/ 9451343 h 10744200"/>
+              <a:gd name="connsiteX6" fmla="*/ 0 w 12954000"/>
+              <a:gd name="connsiteY6" fmla="*/ 0 h 10744200"/>
+              <a:gd name="connsiteX0" fmla="*/ 0 w 12954000"/>
+              <a:gd name="connsiteY0" fmla="*/ 0 h 10744200"/>
+              <a:gd name="connsiteX1" fmla="*/ 10201766 w 12954000"/>
+              <a:gd name="connsiteY1" fmla="*/ 0 h 10744200"/>
+              <a:gd name="connsiteX2" fmla="*/ 12954000 w 12954000"/>
+              <a:gd name="connsiteY2" fmla="*/ 2752234 h 10744200"/>
+              <a:gd name="connsiteX3" fmla="*/ 12954000 w 12954000"/>
+              <a:gd name="connsiteY3" fmla="*/ 10744200 h 10744200"/>
+              <a:gd name="connsiteX4" fmla="*/ 1713790 w 12954000"/>
+              <a:gd name="connsiteY4" fmla="*/ 10727611 h 10744200"/>
+              <a:gd name="connsiteX5" fmla="*/ 0 w 12954000"/>
+              <a:gd name="connsiteY5" fmla="*/ 9451343 h 10744200"/>
+              <a:gd name="connsiteX6" fmla="*/ 0 w 12954000"/>
+              <a:gd name="connsiteY6" fmla="*/ 0 h 10744200"/>
+              <a:gd name="connsiteX0" fmla="*/ 22226 w 12976226"/>
+              <a:gd name="connsiteY0" fmla="*/ 0 h 11059130"/>
+              <a:gd name="connsiteX1" fmla="*/ 10223992 w 12976226"/>
+              <a:gd name="connsiteY1" fmla="*/ 0 h 11059130"/>
+              <a:gd name="connsiteX2" fmla="*/ 12976226 w 12976226"/>
+              <a:gd name="connsiteY2" fmla="*/ 2752234 h 11059130"/>
+              <a:gd name="connsiteX3" fmla="*/ 12976226 w 12976226"/>
+              <a:gd name="connsiteY3" fmla="*/ 10744200 h 11059130"/>
+              <a:gd name="connsiteX4" fmla="*/ 1736016 w 12976226"/>
+              <a:gd name="connsiteY4" fmla="*/ 10727611 h 11059130"/>
+              <a:gd name="connsiteX5" fmla="*/ 22226 w 12976226"/>
+              <a:gd name="connsiteY5" fmla="*/ 9451343 h 11059130"/>
+              <a:gd name="connsiteX6" fmla="*/ 22226 w 12976226"/>
+              <a:gd name="connsiteY6" fmla="*/ 0 h 11059130"/>
+              <a:gd name="connsiteX0" fmla="*/ 65381 w 13019381"/>
+              <a:gd name="connsiteY0" fmla="*/ 0 h 10744200"/>
+              <a:gd name="connsiteX1" fmla="*/ 10267147 w 13019381"/>
+              <a:gd name="connsiteY1" fmla="*/ 0 h 10744200"/>
+              <a:gd name="connsiteX2" fmla="*/ 13019381 w 13019381"/>
+              <a:gd name="connsiteY2" fmla="*/ 2752234 h 10744200"/>
+              <a:gd name="connsiteX3" fmla="*/ 13019381 w 13019381"/>
+              <a:gd name="connsiteY3" fmla="*/ 10744200 h 10744200"/>
+              <a:gd name="connsiteX4" fmla="*/ 1779171 w 13019381"/>
+              <a:gd name="connsiteY4" fmla="*/ 10727611 h 10744200"/>
+              <a:gd name="connsiteX5" fmla="*/ 65381 w 13019381"/>
+              <a:gd name="connsiteY5" fmla="*/ 9451343 h 10744200"/>
+              <a:gd name="connsiteX6" fmla="*/ 65381 w 13019381"/>
+              <a:gd name="connsiteY6" fmla="*/ 0 h 10744200"/>
+              <a:gd name="connsiteX0" fmla="*/ 102228 w 13056228"/>
+              <a:gd name="connsiteY0" fmla="*/ 0 h 10744200"/>
+              <a:gd name="connsiteX1" fmla="*/ 10303994 w 13056228"/>
+              <a:gd name="connsiteY1" fmla="*/ 0 h 10744200"/>
+              <a:gd name="connsiteX2" fmla="*/ 13056228 w 13056228"/>
+              <a:gd name="connsiteY2" fmla="*/ 2752234 h 10744200"/>
+              <a:gd name="connsiteX3" fmla="*/ 13056228 w 13056228"/>
+              <a:gd name="connsiteY3" fmla="*/ 10744200 h 10744200"/>
+              <a:gd name="connsiteX4" fmla="*/ 1816018 w 13056228"/>
+              <a:gd name="connsiteY4" fmla="*/ 10727611 h 10744200"/>
+              <a:gd name="connsiteX5" fmla="*/ 53672 w 13056228"/>
+              <a:gd name="connsiteY5" fmla="*/ 8214696 h 10744200"/>
+              <a:gd name="connsiteX6" fmla="*/ 102228 w 13056228"/>
+              <a:gd name="connsiteY6" fmla="*/ 0 h 10744200"/>
+              <a:gd name="connsiteX0" fmla="*/ 102228 w 13056228"/>
+              <a:gd name="connsiteY0" fmla="*/ 0 h 10744200"/>
+              <a:gd name="connsiteX1" fmla="*/ 10303994 w 13056228"/>
+              <a:gd name="connsiteY1" fmla="*/ 0 h 10744200"/>
+              <a:gd name="connsiteX2" fmla="*/ 13056228 w 13056228"/>
+              <a:gd name="connsiteY2" fmla="*/ 2752234 h 10744200"/>
+              <a:gd name="connsiteX3" fmla="*/ 13056228 w 13056228"/>
+              <a:gd name="connsiteY3" fmla="*/ 10744200 h 10744200"/>
+              <a:gd name="connsiteX4" fmla="*/ 1816018 w 13056228"/>
+              <a:gd name="connsiteY4" fmla="*/ 10727611 h 10744200"/>
+              <a:gd name="connsiteX5" fmla="*/ 53672 w 13056228"/>
+              <a:gd name="connsiteY5" fmla="*/ 8214696 h 10744200"/>
+              <a:gd name="connsiteX6" fmla="*/ 102228 w 13056228"/>
+              <a:gd name="connsiteY6" fmla="*/ 0 h 10744200"/>
+              <a:gd name="connsiteX0" fmla="*/ 80739 w 13034739"/>
+              <a:gd name="connsiteY0" fmla="*/ 0 h 10744200"/>
+              <a:gd name="connsiteX1" fmla="*/ 10282505 w 13034739"/>
+              <a:gd name="connsiteY1" fmla="*/ 0 h 10744200"/>
+              <a:gd name="connsiteX2" fmla="*/ 13034739 w 13034739"/>
+              <a:gd name="connsiteY2" fmla="*/ 2752234 h 10744200"/>
+              <a:gd name="connsiteX3" fmla="*/ 13034739 w 13034739"/>
+              <a:gd name="connsiteY3" fmla="*/ 10744200 h 10744200"/>
+              <a:gd name="connsiteX4" fmla="*/ 1794529 w 13034739"/>
+              <a:gd name="connsiteY4" fmla="*/ 10727611 h 10744200"/>
+              <a:gd name="connsiteX5" fmla="*/ 32183 w 13034739"/>
+              <a:gd name="connsiteY5" fmla="*/ 8214696 h 10744200"/>
+              <a:gd name="connsiteX6" fmla="*/ 80739 w 13034739"/>
+              <a:gd name="connsiteY6" fmla="*/ 0 h 10744200"/>
+              <a:gd name="connsiteX0" fmla="*/ 48556 w 13002556"/>
+              <a:gd name="connsiteY0" fmla="*/ 0 h 10744200"/>
+              <a:gd name="connsiteX1" fmla="*/ 10250322 w 13002556"/>
+              <a:gd name="connsiteY1" fmla="*/ 0 h 10744200"/>
+              <a:gd name="connsiteX2" fmla="*/ 13002556 w 13002556"/>
+              <a:gd name="connsiteY2" fmla="*/ 2752234 h 10744200"/>
+              <a:gd name="connsiteX3" fmla="*/ 13002556 w 13002556"/>
+              <a:gd name="connsiteY3" fmla="*/ 10744200 h 10744200"/>
+              <a:gd name="connsiteX4" fmla="*/ 1762346 w 13002556"/>
+              <a:gd name="connsiteY4" fmla="*/ 10727611 h 10744200"/>
+              <a:gd name="connsiteX5" fmla="*/ 0 w 13002556"/>
+              <a:gd name="connsiteY5" fmla="*/ 8214696 h 10744200"/>
+              <a:gd name="connsiteX6" fmla="*/ 48556 w 13002556"/>
+              <a:gd name="connsiteY6" fmla="*/ 0 h 10744200"/>
+              <a:gd name="connsiteX0" fmla="*/ 48884 w 13002884"/>
+              <a:gd name="connsiteY0" fmla="*/ 0 h 10744200"/>
+              <a:gd name="connsiteX1" fmla="*/ 10250650 w 13002884"/>
+              <a:gd name="connsiteY1" fmla="*/ 0 h 10744200"/>
+              <a:gd name="connsiteX2" fmla="*/ 13002884 w 13002884"/>
+              <a:gd name="connsiteY2" fmla="*/ 2752234 h 10744200"/>
+              <a:gd name="connsiteX3" fmla="*/ 13002884 w 13002884"/>
+              <a:gd name="connsiteY3" fmla="*/ 10744200 h 10744200"/>
+              <a:gd name="connsiteX4" fmla="*/ 1762674 w 13002884"/>
+              <a:gd name="connsiteY4" fmla="*/ 10727611 h 10744200"/>
+              <a:gd name="connsiteX5" fmla="*/ 328 w 13002884"/>
+              <a:gd name="connsiteY5" fmla="*/ 8214696 h 10744200"/>
+              <a:gd name="connsiteX6" fmla="*/ 48884 w 13002884"/>
+              <a:gd name="connsiteY6" fmla="*/ 0 h 10744200"/>
+            </a:gdLst>
+            <a:ahLst/>
+            <a:cxnLst>
+              <a:cxn ang="0">
+                <a:pos x="connsiteX0" y="connsiteY0"/>
+              </a:cxn>
+              <a:cxn ang="0">
+                <a:pos x="connsiteX1" y="connsiteY1"/>
+              </a:cxn>
+              <a:cxn ang="0">
+                <a:pos x="connsiteX2" y="connsiteY2"/>
+              </a:cxn>
+              <a:cxn ang="0">
+                <a:pos x="connsiteX3" y="connsiteY3"/>
+              </a:cxn>
+              <a:cxn ang="0">
+                <a:pos x="connsiteX4" y="connsiteY4"/>
+              </a:cxn>
+              <a:cxn ang="0">
+                <a:pos x="connsiteX5" y="connsiteY5"/>
+              </a:cxn>
+              <a:cxn ang="0">
+                <a:pos x="connsiteX6" y="connsiteY6"/>
+              </a:cxn>
+            </a:cxnLst>
+            <a:rect l="l" t="t" r="r" b="b"/>
+            <a:pathLst>
+              <a:path w="13002884" h="10744200">
+                <a:moveTo>
+                  <a:pt x="48884" y="0"/>
+                </a:moveTo>
+                <a:lnTo>
+                  <a:pt x="10250650" y="0"/>
+                </a:lnTo>
+                <a:cubicBezTo>
+                  <a:pt x="11853861" y="41111"/>
+                  <a:pt x="12999873" y="1072823"/>
+                  <a:pt x="13002884" y="2752234"/>
+                </a:cubicBezTo>
+                <a:lnTo>
+                  <a:pt x="13002884" y="10744200"/>
+                </a:lnTo>
+                <a:lnTo>
+                  <a:pt x="1762674" y="10727611"/>
+                </a:lnTo>
+                <a:cubicBezTo>
+                  <a:pt x="268859" y="10751878"/>
+                  <a:pt x="-11073" y="10157822"/>
+                  <a:pt x="328" y="8214696"/>
+                </a:cubicBezTo>
+                <a:lnTo>
+                  <a:pt x="48884" y="0"/>
+                </a:lnTo>
+                <a:close/>
+              </a:path>
+            </a:pathLst>
+          </a:custGeom>
+          <a:ln w="57150">
+            <a:headEnd/>
+            <a:tailEnd/>
+          </a:ln>
+        </p:spPr>
+        <p:style>
+          <a:lnRef idx="2">
+            <a:schemeClr val="accent4"/>
+          </a:lnRef>
+          <a:fillRef idx="1">
+            <a:schemeClr val="lt1"/>
+          </a:fillRef>
+          <a:effectRef idx="0">
+            <a:schemeClr val="accent4"/>
+          </a:effectRef>
+          <a:fontRef idx="minor">
+            <a:schemeClr val="dk1"/>
+          </a:fontRef>
+        </p:style>
+        <p:txBody>
+          <a:bodyPr>
+            <a:noAutofit/>
+          </a:bodyPr>
+          <a:lstStyle>
+            <a:lvl1pPr marL="463550" indent="-463550" algn="l" defTabSz="3557588" rtl="0" eaLnBrk="0" fontAlgn="base" hangingPunct="0">
+              <a:lnSpc>
+                <a:spcPct val="100000"/>
+              </a:lnSpc>
+              <a:spcBef>
+                <a:spcPts val="0"/>
+              </a:spcBef>
+              <a:spcAft>
+                <a:spcPct val="0"/>
+              </a:spcAft>
+              <a:buFont typeface="Arial" charset="0"/>
+              <a:buChar char="•"/>
+              <a:defRPr lang="es-ES" sz="5400" kern="1200" dirty="0" smtClean="0">
+                <a:solidFill>
+                  <a:schemeClr val="tx1"/>
+                </a:solidFill>
+                <a:latin typeface="+mn-lt"/>
+                <a:ea typeface="+mn-ea"/>
+                <a:cs typeface="+mn-cs"/>
+              </a:defRPr>
+            </a:lvl1pPr>
+            <a:lvl2pPr marL="463550" indent="-463550" algn="l" defTabSz="3557588" rtl="0" eaLnBrk="0" fontAlgn="base" hangingPunct="0">
+              <a:lnSpc>
+                <a:spcPct val="100000"/>
+              </a:lnSpc>
+              <a:spcBef>
+                <a:spcPts val="0"/>
+              </a:spcBef>
+              <a:spcAft>
+                <a:spcPct val="0"/>
+              </a:spcAft>
+              <a:buFont typeface="Arial" charset="0"/>
+              <a:buChar char="–"/>
+              <a:defRPr lang="es-ES" sz="4800" kern="1200" dirty="0" smtClean="0">
+                <a:solidFill>
+                  <a:schemeClr val="tx1"/>
+                </a:solidFill>
+                <a:latin typeface="+mn-lt"/>
+                <a:ea typeface="+mn-ea"/>
+                <a:cs typeface="+mn-cs"/>
+              </a:defRPr>
+            </a:lvl2pPr>
+            <a:lvl3pPr marL="463550" indent="-463550" algn="l" defTabSz="3557588" rtl="0" eaLnBrk="0" fontAlgn="base" hangingPunct="0">
+              <a:lnSpc>
+                <a:spcPct val="100000"/>
+              </a:lnSpc>
+              <a:spcBef>
+                <a:spcPts val="0"/>
+              </a:spcBef>
+              <a:spcAft>
+                <a:spcPct val="0"/>
+              </a:spcAft>
+              <a:buFont typeface="Arial" charset="0"/>
+              <a:buChar char="•"/>
+              <a:defRPr lang="es-ES" sz="4400" kern="1200" dirty="0" smtClean="0">
+                <a:solidFill>
+                  <a:schemeClr val="tx1"/>
+                </a:solidFill>
+                <a:latin typeface="+mn-lt"/>
+                <a:ea typeface="+mn-ea"/>
+                <a:cs typeface="+mn-cs"/>
+              </a:defRPr>
+            </a:lvl3pPr>
+            <a:lvl4pPr marL="463550" indent="-463550" algn="l" defTabSz="3557588" rtl="0" eaLnBrk="0" fontAlgn="base" hangingPunct="0">
+              <a:lnSpc>
+                <a:spcPct val="100000"/>
+              </a:lnSpc>
+              <a:spcBef>
+                <a:spcPts val="0"/>
+              </a:spcBef>
+              <a:spcAft>
+                <a:spcPct val="0"/>
+              </a:spcAft>
+              <a:buFont typeface="Arial" charset="0"/>
+              <a:buChar char="–"/>
+              <a:defRPr lang="es-ES" sz="4000" kern="1200" dirty="0" smtClean="0">
+                <a:solidFill>
+                  <a:schemeClr val="tx1"/>
+                </a:solidFill>
+                <a:latin typeface="+mn-lt"/>
+                <a:ea typeface="+mn-ea"/>
+                <a:cs typeface="+mn-cs"/>
+              </a:defRPr>
+            </a:lvl4pPr>
+            <a:lvl5pPr marL="463550" indent="-463550" algn="l" defTabSz="3557588" rtl="0" eaLnBrk="0" fontAlgn="base" hangingPunct="0">
+              <a:lnSpc>
+                <a:spcPct val="100000"/>
+              </a:lnSpc>
+              <a:spcBef>
+                <a:spcPts val="0"/>
+              </a:spcBef>
+              <a:spcAft>
+                <a:spcPct val="0"/>
+              </a:spcAft>
+              <a:buFont typeface="Arial" charset="0"/>
+              <a:buChar char="»"/>
+              <a:defRPr lang="es-CO" sz="3600" kern="1200" dirty="0" smtClean="0">
+                <a:solidFill>
+                  <a:schemeClr val="tx1"/>
+                </a:solidFill>
+                <a:latin typeface="+mn-lt"/>
+                <a:ea typeface="+mn-ea"/>
+                <a:cs typeface="+mn-cs"/>
+              </a:defRPr>
+            </a:lvl5pPr>
+            <a:lvl6pPr marL="9785314" indent="-889574" algn="l" defTabSz="3558296" rtl="0" eaLnBrk="1" latinLnBrk="0" hangingPunct="1">
+              <a:spcBef>
+                <a:spcPct val="20000"/>
+              </a:spcBef>
+              <a:buFont typeface="Arial" pitchFamily="34" charset="0"/>
+              <a:buChar char="•"/>
+              <a:defRPr sz="7800" kern="1200">
+                <a:solidFill>
+                  <a:schemeClr val="tx1"/>
+                </a:solidFill>
+                <a:latin typeface="+mn-lt"/>
+                <a:ea typeface="+mn-ea"/>
+                <a:cs typeface="+mn-cs"/>
+              </a:defRPr>
+            </a:lvl6pPr>
+            <a:lvl7pPr marL="11564463" indent="-889574" algn="l" defTabSz="3558296" rtl="0" eaLnBrk="1" latinLnBrk="0" hangingPunct="1">
+              <a:spcBef>
+                <a:spcPct val="20000"/>
+              </a:spcBef>
+              <a:buFont typeface="Arial" pitchFamily="34" charset="0"/>
+              <a:buChar char="•"/>
+              <a:defRPr sz="7800" kern="1200">
+                <a:solidFill>
+                  <a:schemeClr val="tx1"/>
+                </a:solidFill>
+                <a:latin typeface="+mn-lt"/>
+                <a:ea typeface="+mn-ea"/>
+                <a:cs typeface="+mn-cs"/>
+              </a:defRPr>
+            </a:lvl7pPr>
+            <a:lvl8pPr marL="13343611" indent="-889574" algn="l" defTabSz="3558296" rtl="0" eaLnBrk="1" latinLnBrk="0" hangingPunct="1">
+              <a:spcBef>
+                <a:spcPct val="20000"/>
+              </a:spcBef>
+              <a:buFont typeface="Arial" pitchFamily="34" charset="0"/>
+              <a:buChar char="•"/>
+              <a:defRPr sz="7800" kern="1200">
+                <a:solidFill>
+                  <a:schemeClr val="tx1"/>
+                </a:solidFill>
+                <a:latin typeface="+mn-lt"/>
+                <a:ea typeface="+mn-ea"/>
+                <a:cs typeface="+mn-cs"/>
+              </a:defRPr>
+            </a:lvl8pPr>
+            <a:lvl9pPr marL="15122759" indent="-889574" algn="l" defTabSz="3558296" rtl="0" eaLnBrk="1" latinLnBrk="0" hangingPunct="1">
+              <a:spcBef>
+                <a:spcPct val="20000"/>
+              </a:spcBef>
+              <a:buFont typeface="Arial" pitchFamily="34" charset="0"/>
+              <a:buChar char="•"/>
+              <a:defRPr sz="7800" kern="1200">
+                <a:solidFill>
+                  <a:schemeClr val="tx1"/>
+                </a:solidFill>
+                <a:latin typeface="+mn-lt"/>
+                <a:ea typeface="+mn-ea"/>
+                <a:cs typeface="+mn-cs"/>
+              </a:defRPr>
+            </a:lvl9pPr>
+          </a:lstStyle>
+          <a:p>
+            <a:pPr marL="0" indent="0">
+              <a:buNone/>
+            </a:pPr>
+            <a:endParaRPr lang="es-CO" dirty="0">
+              <a:latin typeface="Arial" charset="0"/>
+              <a:ea typeface="Arial" charset="0"/>
+              <a:cs typeface="Arial" charset="0"/>
+            </a:endParaRPr>
+          </a:p>
+        </p:txBody>
+      </p:sp>
+      <p:pic>
+        <p:nvPicPr>
+          <p:cNvPr id="51" name="Imagen 50">
+            <a:extLst>
+              <a:ext uri="{FF2B5EF4-FFF2-40B4-BE49-F238E27FC236}">
+                <a16:creationId xmlns:a16="http://schemas.microsoft.com/office/drawing/2014/main" id="{0300FC8C-0FD7-4304-956D-BB75D72B3BBE}"/>
+              </a:ext>
+            </a:extLst>
+          </p:cNvPr>
+          <p:cNvPicPr/>
+          <p:nvPr/>
+        </p:nvPicPr>
+        <p:blipFill>
+          <a:blip r:embed="rId16">
+            <a:extLst>
+              <a:ext uri="{28A0092B-C50C-407E-A947-70E740481C1C}">
+                <a14:useLocalDpi xmlns:a14="http://schemas.microsoft.com/office/drawing/2010/main" val="0"/>
+              </a:ext>
+            </a:extLst>
+          </a:blip>
+          <a:stretch>
+            <a:fillRect/>
+          </a:stretch>
+        </p:blipFill>
+        <p:spPr>
+          <a:xfrm>
+            <a:off x="3246437" y="28645684"/>
+            <a:ext cx="8610600" cy="4543343"/>
+          </a:xfrm>
+          <a:prstGeom prst="rect">
+            <a:avLst/>
+          </a:prstGeom>
+        </p:spPr>
+      </p:pic>
     </p:spTree>
     <p:extLst>
       <p:ext uri="{BB962C8B-B14F-4D97-AF65-F5344CB8AC3E}">
